--- a/02. Documents/02. Interface/Meniu Idea.pptx
+++ b/02. Documents/02. Interface/Meniu Idea.pptx
@@ -104,7 +104,121 @@
       </a:defRPr>
     </a:lvl9pPr>
   </p:defaultTextStyle>
+  <p:extLst>
+    <p:ext uri="{EFAFB233-063F-42B5-8137-9DF3F51BA10A}">
+      <p15:sldGuideLst xmlns:p15="http://schemas.microsoft.com/office/powerpoint/2012/main"/>
+    </p:ext>
+  </p:extLst>
 </p:presentation>
+</file>
+
+<file path=ppt/revisionInfo.xml><?xml version="1.0" encoding="utf-8"?>
+<p1510:revInfo xmlns:a="http://schemas.openxmlformats.org/drawingml/2006/main" xmlns:r="http://schemas.openxmlformats.org/officeDocument/2006/relationships" xmlns:p1510="http://schemas.microsoft.com/office/powerpoint/2015/10/main">
+  <p1510:revLst>
+    <p1510:client id="{6D75183D-81FF-42AB-A89A-0AE8D9D14D37}" v="7" dt="2024-03-19T14:00:01.108"/>
+  </p1510:revLst>
+</p1510:revInfo>
+</file>
+
+<file path=ppt/changesInfos/changesInfo1.xml><?xml version="1.0" encoding="utf-8"?>
+<pc:chgInfo xmlns:a="http://schemas.openxmlformats.org/drawingml/2006/main" xmlns:r="http://schemas.openxmlformats.org/officeDocument/2006/relationships" xmlns:ac="http://schemas.microsoft.com/office/drawing/2013/main/command" xmlns:pc="http://schemas.microsoft.com/office/powerpoint/2013/main/command">
+  <pc:docChgLst>
+    <pc:chgData name="Gabriel CRACIUN" userId="7d49e631-7f79-4e7a-a6d9-2e9c3dc7e4f6" providerId="ADAL" clId="{6D75183D-81FF-42AB-A89A-0AE8D9D14D37}"/>
+    <pc:docChg chg="undo custSel modSld">
+      <pc:chgData name="Gabriel CRACIUN" userId="7d49e631-7f79-4e7a-a6d9-2e9c3dc7e4f6" providerId="ADAL" clId="{6D75183D-81FF-42AB-A89A-0AE8D9D14D37}" dt="2024-03-19T14:00:42.621" v="282" actId="20577"/>
+      <pc:docMkLst>
+        <pc:docMk/>
+      </pc:docMkLst>
+      <pc:sldChg chg="addSp delSp modSp mod">
+        <pc:chgData name="Gabriel CRACIUN" userId="7d49e631-7f79-4e7a-a6d9-2e9c3dc7e4f6" providerId="ADAL" clId="{6D75183D-81FF-42AB-A89A-0AE8D9D14D37}" dt="2024-03-19T14:00:42.621" v="282" actId="20577"/>
+        <pc:sldMkLst>
+          <pc:docMk/>
+          <pc:sldMk cId="356511849" sldId="256"/>
+        </pc:sldMkLst>
+        <pc:spChg chg="add mod ord">
+          <ac:chgData name="Gabriel CRACIUN" userId="7d49e631-7f79-4e7a-a6d9-2e9c3dc7e4f6" providerId="ADAL" clId="{6D75183D-81FF-42AB-A89A-0AE8D9D14D37}" dt="2024-03-19T13:55:31.323" v="108" actId="164"/>
+          <ac:spMkLst>
+            <pc:docMk/>
+            <pc:sldMk cId="356511849" sldId="256"/>
+            <ac:spMk id="2" creationId="{82F95604-90AC-9050-CDF0-BC4125A50380}"/>
+          </ac:spMkLst>
+        </pc:spChg>
+        <pc:spChg chg="add mod">
+          <ac:chgData name="Gabriel CRACIUN" userId="7d49e631-7f79-4e7a-a6d9-2e9c3dc7e4f6" providerId="ADAL" clId="{6D75183D-81FF-42AB-A89A-0AE8D9D14D37}" dt="2024-03-19T13:55:31.323" v="108" actId="164"/>
+          <ac:spMkLst>
+            <pc:docMk/>
+            <pc:sldMk cId="356511849" sldId="256"/>
+            <ac:spMk id="3" creationId="{B6390ED7-76E8-A99C-1172-95D104B85335}"/>
+          </ac:spMkLst>
+        </pc:spChg>
+        <pc:spChg chg="mod">
+          <ac:chgData name="Gabriel CRACIUN" userId="7d49e631-7f79-4e7a-a6d9-2e9c3dc7e4f6" providerId="ADAL" clId="{6D75183D-81FF-42AB-A89A-0AE8D9D14D37}" dt="2024-03-19T13:57:41.129" v="164" actId="14100"/>
+          <ac:spMkLst>
+            <pc:docMk/>
+            <pc:sldMk cId="356511849" sldId="256"/>
+            <ac:spMk id="6" creationId="{96BA3986-EA99-1C97-1D0A-CE7FCE0CBD1A}"/>
+          </ac:spMkLst>
+        </pc:spChg>
+        <pc:spChg chg="mod">
+          <ac:chgData name="Gabriel CRACIUN" userId="7d49e631-7f79-4e7a-a6d9-2e9c3dc7e4f6" providerId="ADAL" clId="{6D75183D-81FF-42AB-A89A-0AE8D9D14D37}" dt="2024-03-19T13:56:35.798" v="129" actId="1076"/>
+          <ac:spMkLst>
+            <pc:docMk/>
+            <pc:sldMk cId="356511849" sldId="256"/>
+            <ac:spMk id="9" creationId="{86519026-C1F7-5FB8-2CBD-72BA3B6F81D6}"/>
+          </ac:spMkLst>
+        </pc:spChg>
+        <pc:spChg chg="mod">
+          <ac:chgData name="Gabriel CRACIUN" userId="7d49e631-7f79-4e7a-a6d9-2e9c3dc7e4f6" providerId="ADAL" clId="{6D75183D-81FF-42AB-A89A-0AE8D9D14D37}" dt="2024-03-19T13:54:03.762" v="21" actId="1076"/>
+          <ac:spMkLst>
+            <pc:docMk/>
+            <pc:sldMk cId="356511849" sldId="256"/>
+            <ac:spMk id="13" creationId="{8C4B9A47-3D95-A962-7C05-2CDA95A59CB0}"/>
+          </ac:spMkLst>
+        </pc:spChg>
+        <pc:spChg chg="mod">
+          <ac:chgData name="Gabriel CRACIUN" userId="7d49e631-7f79-4e7a-a6d9-2e9c3dc7e4f6" providerId="ADAL" clId="{6D75183D-81FF-42AB-A89A-0AE8D9D14D37}" dt="2024-03-19T13:57:09.391" v="153" actId="1038"/>
+          <ac:spMkLst>
+            <pc:docMk/>
+            <pc:sldMk cId="356511849" sldId="256"/>
+            <ac:spMk id="16" creationId="{F69484BE-1264-A2D2-1271-CDF947235AB4}"/>
+          </ac:spMkLst>
+        </pc:spChg>
+        <pc:spChg chg="mod">
+          <ac:chgData name="Gabriel CRACIUN" userId="7d49e631-7f79-4e7a-a6d9-2e9c3dc7e4f6" providerId="ADAL" clId="{6D75183D-81FF-42AB-A89A-0AE8D9D14D37}" dt="2024-03-19T13:56:59.879" v="137" actId="1035"/>
+          <ac:spMkLst>
+            <pc:docMk/>
+            <pc:sldMk cId="356511849" sldId="256"/>
+            <ac:spMk id="17" creationId="{443AF662-ECC5-0286-D6EC-F60D588BA6EE}"/>
+          </ac:spMkLst>
+        </pc:spChg>
+        <pc:spChg chg="add del mod">
+          <ac:chgData name="Gabriel CRACIUN" userId="7d49e631-7f79-4e7a-a6d9-2e9c3dc7e4f6" providerId="ADAL" clId="{6D75183D-81FF-42AB-A89A-0AE8D9D14D37}" dt="2024-03-19T13:54:04.221" v="22"/>
+          <ac:spMkLst>
+            <pc:docMk/>
+            <pc:sldMk cId="356511849" sldId="256"/>
+            <ac:spMk id="18" creationId="{5864A462-2C9E-D8A7-A3ED-E52D13939B53}"/>
+          </ac:spMkLst>
+        </pc:spChg>
+        <pc:spChg chg="add mod">
+          <ac:chgData name="Gabriel CRACIUN" userId="7d49e631-7f79-4e7a-a6d9-2e9c3dc7e4f6" providerId="ADAL" clId="{6D75183D-81FF-42AB-A89A-0AE8D9D14D37}" dt="2024-03-19T14:00:42.621" v="282" actId="20577"/>
+          <ac:spMkLst>
+            <pc:docMk/>
+            <pc:sldMk cId="356511849" sldId="256"/>
+            <ac:spMk id="19" creationId="{F972B7B5-652A-F3C2-E6FD-E2B049AEDAF0}"/>
+          </ac:spMkLst>
+        </pc:spChg>
+        <pc:grpChg chg="add mod">
+          <ac:chgData name="Gabriel CRACIUN" userId="7d49e631-7f79-4e7a-a6d9-2e9c3dc7e4f6" providerId="ADAL" clId="{6D75183D-81FF-42AB-A89A-0AE8D9D14D37}" dt="2024-03-19T14:00:26.992" v="273" actId="14100"/>
+          <ac:grpSpMkLst>
+            <pc:docMk/>
+            <pc:sldMk cId="356511849" sldId="256"/>
+            <ac:grpSpMk id="20" creationId="{B242635B-75FD-BA3D-4EE3-BBC8AE923650}"/>
+          </ac:grpSpMkLst>
+        </pc:grpChg>
+      </pc:sldChg>
+    </pc:docChg>
+  </pc:docChgLst>
+</pc:chgInfo>
 </file>
 
 <file path=ppt/slideLayouts/slideLayout1.xml><?xml version="1.0" encoding="utf-8"?>
@@ -254,7 +368,7 @@
           <a:p>
             <a:fld id="{EB00EF27-2018-4EBE-8AE9-457DFF7B6A3C}" type="datetimeFigureOut">
               <a:rPr lang="en-US" smtClean="0"/>
-              <a:t>3/5/2024</a:t>
+              <a:t>3/19/2024</a:t>
             </a:fld>
             <a:endParaRPr lang="en-US"/>
           </a:p>
@@ -452,7 +566,7 @@
           <a:p>
             <a:fld id="{EB00EF27-2018-4EBE-8AE9-457DFF7B6A3C}" type="datetimeFigureOut">
               <a:rPr lang="en-US" smtClean="0"/>
-              <a:t>3/5/2024</a:t>
+              <a:t>3/19/2024</a:t>
             </a:fld>
             <a:endParaRPr lang="en-US"/>
           </a:p>
@@ -660,7 +774,7 @@
           <a:p>
             <a:fld id="{EB00EF27-2018-4EBE-8AE9-457DFF7B6A3C}" type="datetimeFigureOut">
               <a:rPr lang="en-US" smtClean="0"/>
-              <a:t>3/5/2024</a:t>
+              <a:t>3/19/2024</a:t>
             </a:fld>
             <a:endParaRPr lang="en-US"/>
           </a:p>
@@ -858,7 +972,7 @@
           <a:p>
             <a:fld id="{EB00EF27-2018-4EBE-8AE9-457DFF7B6A3C}" type="datetimeFigureOut">
               <a:rPr lang="en-US" smtClean="0"/>
-              <a:t>3/5/2024</a:t>
+              <a:t>3/19/2024</a:t>
             </a:fld>
             <a:endParaRPr lang="en-US"/>
           </a:p>
@@ -1133,7 +1247,7 @@
           <a:p>
             <a:fld id="{EB00EF27-2018-4EBE-8AE9-457DFF7B6A3C}" type="datetimeFigureOut">
               <a:rPr lang="en-US" smtClean="0"/>
-              <a:t>3/5/2024</a:t>
+              <a:t>3/19/2024</a:t>
             </a:fld>
             <a:endParaRPr lang="en-US"/>
           </a:p>
@@ -1398,7 +1512,7 @@
           <a:p>
             <a:fld id="{EB00EF27-2018-4EBE-8AE9-457DFF7B6A3C}" type="datetimeFigureOut">
               <a:rPr lang="en-US" smtClean="0"/>
-              <a:t>3/5/2024</a:t>
+              <a:t>3/19/2024</a:t>
             </a:fld>
             <a:endParaRPr lang="en-US"/>
           </a:p>
@@ -1810,7 +1924,7 @@
           <a:p>
             <a:fld id="{EB00EF27-2018-4EBE-8AE9-457DFF7B6A3C}" type="datetimeFigureOut">
               <a:rPr lang="en-US" smtClean="0"/>
-              <a:t>3/5/2024</a:t>
+              <a:t>3/19/2024</a:t>
             </a:fld>
             <a:endParaRPr lang="en-US"/>
           </a:p>
@@ -1951,7 +2065,7 @@
           <a:p>
             <a:fld id="{EB00EF27-2018-4EBE-8AE9-457DFF7B6A3C}" type="datetimeFigureOut">
               <a:rPr lang="en-US" smtClean="0"/>
-              <a:t>3/5/2024</a:t>
+              <a:t>3/19/2024</a:t>
             </a:fld>
             <a:endParaRPr lang="en-US"/>
           </a:p>
@@ -2064,7 +2178,7 @@
           <a:p>
             <a:fld id="{EB00EF27-2018-4EBE-8AE9-457DFF7B6A3C}" type="datetimeFigureOut">
               <a:rPr lang="en-US" smtClean="0"/>
-              <a:t>3/5/2024</a:t>
+              <a:t>3/19/2024</a:t>
             </a:fld>
             <a:endParaRPr lang="en-US"/>
           </a:p>
@@ -2375,7 +2489,7 @@
           <a:p>
             <a:fld id="{EB00EF27-2018-4EBE-8AE9-457DFF7B6A3C}" type="datetimeFigureOut">
               <a:rPr lang="en-US" smtClean="0"/>
-              <a:t>3/5/2024</a:t>
+              <a:t>3/19/2024</a:t>
             </a:fld>
             <a:endParaRPr lang="en-US"/>
           </a:p>
@@ -2663,7 +2777,7 @@
           <a:p>
             <a:fld id="{EB00EF27-2018-4EBE-8AE9-457DFF7B6A3C}" type="datetimeFigureOut">
               <a:rPr lang="en-US" smtClean="0"/>
-              <a:t>3/5/2024</a:t>
+              <a:t>3/19/2024</a:t>
             </a:fld>
             <a:endParaRPr lang="en-US"/>
           </a:p>
@@ -2904,7 +3018,7 @@
           <a:p>
             <a:fld id="{EB00EF27-2018-4EBE-8AE9-457DFF7B6A3C}" type="datetimeFigureOut">
               <a:rPr lang="en-US" smtClean="0"/>
-              <a:t>3/5/2024</a:t>
+              <a:t>3/19/2024</a:t>
             </a:fld>
             <a:endParaRPr lang="en-US"/>
           </a:p>
@@ -3433,8 +3547,8 @@
         </p:nvSpPr>
         <p:spPr>
           <a:xfrm>
-            <a:off x="3525213" y="276694"/>
-            <a:ext cx="8223442" cy="6391564"/>
+            <a:off x="3525213" y="457200"/>
+            <a:ext cx="8014854" cy="6093648"/>
           </a:xfrm>
           <a:prstGeom prst="rect">
             <a:avLst/>
@@ -3566,8 +3680,8 @@
         </p:nvSpPr>
         <p:spPr>
           <a:xfrm>
-            <a:off x="443344" y="808955"/>
-            <a:ext cx="2294467" cy="1200329"/>
+            <a:off x="441034" y="707248"/>
+            <a:ext cx="2294467" cy="923330"/>
           </a:xfrm>
           <a:prstGeom prst="rect">
             <a:avLst/>
@@ -3581,19 +3695,19 @@
           <a:lstStyle/>
           <a:p>
             <a:r>
-              <a:rPr lang="en-US" dirty="0"/>
+              <a:rPr lang="en-US" sz="1200" dirty="0"/>
               <a:t>Department</a:t>
             </a:r>
           </a:p>
           <a:p>
             <a:r>
-              <a:rPr lang="en-US" dirty="0"/>
+              <a:rPr lang="en-US" sz="1200" dirty="0"/>
               <a:t>Project</a:t>
             </a:r>
           </a:p>
           <a:p>
             <a:r>
-              <a:rPr lang="en-US" dirty="0"/>
+              <a:rPr lang="en-US" sz="1200" dirty="0"/>
               <a:t>Manager</a:t>
             </a:r>
           </a:p>
@@ -3870,8 +3984,8 @@
         </p:nvSpPr>
         <p:spPr>
           <a:xfrm>
-            <a:off x="324813" y="-57439"/>
-            <a:ext cx="2294467" cy="369332"/>
+            <a:off x="240143" y="-74373"/>
+            <a:ext cx="3027987" cy="400110"/>
           </a:xfrm>
           <a:prstGeom prst="rect">
             <a:avLst/>
@@ -3885,7 +3999,7 @@
           <a:lstStyle/>
           <a:p>
             <a:r>
-              <a:rPr lang="en-US" dirty="0"/>
+              <a:rPr lang="en-US" sz="2000" dirty="0"/>
               <a:t>ADC EASTERN Europe</a:t>
             </a:r>
           </a:p>
@@ -3905,8 +4019,8 @@
         </p:nvSpPr>
         <p:spPr>
           <a:xfrm>
-            <a:off x="6793346" y="-57439"/>
-            <a:ext cx="2294467" cy="369332"/>
+            <a:off x="6793346" y="-91307"/>
+            <a:ext cx="2294467" cy="400110"/>
           </a:xfrm>
           <a:prstGeom prst="rect">
             <a:avLst/>
@@ -3920,12 +4034,179 @@
           <a:lstStyle/>
           <a:p>
             <a:r>
-              <a:rPr lang="en-US" dirty="0"/>
+              <a:rPr lang="en-US" sz="2000" dirty="0"/>
               <a:t>Vacation Rate App</a:t>
             </a:r>
           </a:p>
         </p:txBody>
       </p:sp>
+      <p:grpSp>
+        <p:nvGrpSpPr>
+          <p:cNvPr id="20" name="Group 19">
+            <a:extLst>
+              <a:ext uri="{FF2B5EF4-FFF2-40B4-BE49-F238E27FC236}">
+                <a16:creationId xmlns:a16="http://schemas.microsoft.com/office/drawing/2014/main" id="{B242635B-75FD-BA3D-4EE3-BBC8AE923650}"/>
+              </a:ext>
+            </a:extLst>
+          </p:cNvPr>
+          <p:cNvGrpSpPr/>
+          <p:nvPr/>
+        </p:nvGrpSpPr>
+        <p:grpSpPr>
+          <a:xfrm>
+            <a:off x="441034" y="5440146"/>
+            <a:ext cx="2621588" cy="1149527"/>
+            <a:chOff x="441034" y="5279273"/>
+            <a:chExt cx="2621588" cy="1149527"/>
+          </a:xfrm>
+        </p:grpSpPr>
+        <p:sp>
+          <p:nvSpPr>
+            <p:cNvPr id="2" name="Rectangle 1">
+              <a:extLst>
+                <a:ext uri="{FF2B5EF4-FFF2-40B4-BE49-F238E27FC236}">
+                  <a16:creationId xmlns:a16="http://schemas.microsoft.com/office/drawing/2014/main" id="{82F95604-90AC-9050-CDF0-BC4125A50380}"/>
+                </a:ext>
+              </a:extLst>
+            </p:cNvPr>
+            <p:cNvSpPr/>
+            <p:nvPr/>
+          </p:nvSpPr>
+          <p:spPr>
+            <a:xfrm>
+              <a:off x="441034" y="5296570"/>
+              <a:ext cx="2621588" cy="1093405"/>
+            </a:xfrm>
+            <a:prstGeom prst="rect">
+              <a:avLst/>
+            </a:prstGeom>
+            <a:solidFill>
+              <a:schemeClr val="bg1"/>
+            </a:solidFill>
+          </p:spPr>
+          <p:style>
+            <a:lnRef idx="2">
+              <a:schemeClr val="accent1">
+                <a:shade val="15000"/>
+              </a:schemeClr>
+            </a:lnRef>
+            <a:fillRef idx="1">
+              <a:schemeClr val="accent1"/>
+            </a:fillRef>
+            <a:effectRef idx="0">
+              <a:schemeClr val="accent1"/>
+            </a:effectRef>
+            <a:fontRef idx="minor">
+              <a:schemeClr val="lt1"/>
+            </a:fontRef>
+          </p:style>
+          <p:txBody>
+            <a:bodyPr rtlCol="0" anchor="ctr"/>
+            <a:lstStyle/>
+            <a:p>
+              <a:pPr algn="ctr"/>
+              <a:endParaRPr lang="en-US"/>
+            </a:p>
+          </p:txBody>
+        </p:sp>
+        <p:sp>
+          <p:nvSpPr>
+            <p:cNvPr id="3" name="TextBox 2">
+              <a:extLst>
+                <a:ext uri="{FF2B5EF4-FFF2-40B4-BE49-F238E27FC236}">
+                  <a16:creationId xmlns:a16="http://schemas.microsoft.com/office/drawing/2014/main" id="{B6390ED7-76E8-A99C-1172-95D104B85335}"/>
+                </a:ext>
+              </a:extLst>
+            </p:cNvPr>
+            <p:cNvSpPr txBox="1"/>
+            <p:nvPr/>
+          </p:nvSpPr>
+          <p:spPr>
+            <a:xfrm>
+              <a:off x="441034" y="5279273"/>
+              <a:ext cx="2294467" cy="369332"/>
+            </a:xfrm>
+            <a:prstGeom prst="rect">
+              <a:avLst/>
+            </a:prstGeom>
+            <a:noFill/>
+          </p:spPr>
+          <p:txBody>
+            <a:bodyPr wrap="square" rtlCol="0">
+              <a:spAutoFit/>
+            </a:bodyPr>
+            <a:lstStyle/>
+            <a:p>
+              <a:r>
+                <a:rPr lang="en-US" dirty="0"/>
+                <a:t>Employees </a:t>
+              </a:r>
+            </a:p>
+          </p:txBody>
+        </p:sp>
+        <p:sp>
+          <p:nvSpPr>
+            <p:cNvPr id="19" name="TextBox 18">
+              <a:extLst>
+                <a:ext uri="{FF2B5EF4-FFF2-40B4-BE49-F238E27FC236}">
+                  <a16:creationId xmlns:a16="http://schemas.microsoft.com/office/drawing/2014/main" id="{F972B7B5-652A-F3C2-E6FD-E2B049AEDAF0}"/>
+                </a:ext>
+              </a:extLst>
+            </p:cNvPr>
+            <p:cNvSpPr txBox="1"/>
+            <p:nvPr/>
+          </p:nvSpPr>
+          <p:spPr>
+            <a:xfrm>
+              <a:off x="441034" y="5597803"/>
+              <a:ext cx="2621588" cy="830997"/>
+            </a:xfrm>
+            <a:prstGeom prst="rect">
+              <a:avLst/>
+            </a:prstGeom>
+            <a:noFill/>
+          </p:spPr>
+          <p:txBody>
+            <a:bodyPr wrap="square" rtlCol="0">
+              <a:spAutoFit/>
+            </a:bodyPr>
+            <a:lstStyle/>
+            <a:p>
+              <a:r>
+                <a:rPr lang="en-US" sz="1200" dirty="0"/>
+                <a:t>Head Count: 800 </a:t>
+              </a:r>
+              <a:br>
+                <a:rPr lang="en-US" sz="1200" dirty="0"/>
+              </a:br>
+              <a:r>
+                <a:rPr lang="en-US" sz="1200" dirty="0"/>
+                <a:t>Productive: 780</a:t>
+              </a:r>
+            </a:p>
+            <a:p>
+              <a:r>
+                <a:rPr lang="en-US" sz="1200" dirty="0" err="1"/>
+                <a:t>Intercontract</a:t>
+              </a:r>
+              <a:r>
+                <a:rPr lang="en-US" sz="1200" dirty="0"/>
+                <a:t>: 20</a:t>
+              </a:r>
+            </a:p>
+            <a:p>
+              <a:r>
+                <a:rPr lang="en-US" sz="1200" dirty="0"/>
+                <a:t>                                               </a:t>
+              </a:r>
+              <a:r>
+                <a:rPr lang="en-US" sz="1000" dirty="0"/>
+                <a:t>→ more details</a:t>
+              </a:r>
+            </a:p>
+          </p:txBody>
+        </p:sp>
+      </p:grpSp>
     </p:spTree>
     <p:extLst>
       <p:ext uri="{BB962C8B-B14F-4D97-AF65-F5344CB8AC3E}">
